--- a/lectures/infrastructure-week-3.pptx
+++ b/lectures/infrastructure-week-3.pptx
@@ -42,16 +42,17 @@
     <p:sldId id="290" r:id="rId36"/>
     <p:sldId id="288" r:id="rId37"/>
     <p:sldId id="291" r:id="rId38"/>
-    <p:sldId id="292" r:id="rId39"/>
-    <p:sldId id="293" r:id="rId40"/>
-    <p:sldId id="294" r:id="rId41"/>
-    <p:sldId id="295" r:id="rId42"/>
-    <p:sldId id="296" r:id="rId43"/>
-    <p:sldId id="297" r:id="rId44"/>
-    <p:sldId id="298" r:id="rId45"/>
-    <p:sldId id="300" r:id="rId46"/>
-    <p:sldId id="299" r:id="rId47"/>
-    <p:sldId id="278" r:id="rId48"/>
+    <p:sldId id="305" r:id="rId39"/>
+    <p:sldId id="292" r:id="rId40"/>
+    <p:sldId id="293" r:id="rId41"/>
+    <p:sldId id="294" r:id="rId42"/>
+    <p:sldId id="295" r:id="rId43"/>
+    <p:sldId id="296" r:id="rId44"/>
+    <p:sldId id="297" r:id="rId45"/>
+    <p:sldId id="298" r:id="rId46"/>
+    <p:sldId id="300" r:id="rId47"/>
+    <p:sldId id="299" r:id="rId48"/>
+    <p:sldId id="278" r:id="rId49"/>
   </p:sldIdLst>
   <p:sldSz cx="9144000" cy="6858000" type="screen4x3"/>
   <p:notesSz cx="6858000" cy="9144000"/>
@@ -150,6 +151,22 @@
       </a:defRPr>
     </a:lvl9pPr>
   </p:defaultTextStyle>
+  <p:extLst>
+    <p:ext uri="{EFAFB233-063F-42B5-8137-9DF3F51BA10A}">
+      <p15:sldGuideLst xmlns:p15="http://schemas.microsoft.com/office/powerpoint/2012/main">
+        <p15:guide id="1" orient="horz" pos="2160">
+          <p15:clr>
+            <a:srgbClr val="A4A3A4"/>
+          </p15:clr>
+        </p15:guide>
+        <p15:guide id="2" pos="2880">
+          <p15:clr>
+            <a:srgbClr val="A4A3A4"/>
+          </p15:clr>
+        </p15:guide>
+      </p15:sldGuideLst>
+    </p:ext>
+  </p:extLst>
 </p:presentation>
 </file>
 
@@ -334,7 +351,7 @@
           <a:p>
             <a:fld id="{C721276B-38BC-F24F-B36B-D23FB353AB88}" type="datetimeFigureOut">
               <a:rPr lang="en-US" smtClean="0"/>
-              <a:t>8/13/16</a:t>
+              <a:t>9/20/16</a:t>
             </a:fld>
             <a:endParaRPr lang="en-US"/>
           </a:p>
@@ -504,7 +521,7 @@
           <a:p>
             <a:fld id="{C721276B-38BC-F24F-B36B-D23FB353AB88}" type="datetimeFigureOut">
               <a:rPr lang="en-US" smtClean="0"/>
-              <a:t>8/13/16</a:t>
+              <a:t>9/20/16</a:t>
             </a:fld>
             <a:endParaRPr lang="en-US"/>
           </a:p>
@@ -684,7 +701,7 @@
           <a:p>
             <a:fld id="{C721276B-38BC-F24F-B36B-D23FB353AB88}" type="datetimeFigureOut">
               <a:rPr lang="en-US" smtClean="0"/>
-              <a:t>8/13/16</a:t>
+              <a:t>9/20/16</a:t>
             </a:fld>
             <a:endParaRPr lang="en-US"/>
           </a:p>
@@ -854,7 +871,7 @@
           <a:p>
             <a:fld id="{C721276B-38BC-F24F-B36B-D23FB353AB88}" type="datetimeFigureOut">
               <a:rPr lang="en-US" smtClean="0"/>
-              <a:t>8/13/16</a:t>
+              <a:t>9/20/16</a:t>
             </a:fld>
             <a:endParaRPr lang="en-US"/>
           </a:p>
@@ -1100,7 +1117,7 @@
           <a:p>
             <a:fld id="{C721276B-38BC-F24F-B36B-D23FB353AB88}" type="datetimeFigureOut">
               <a:rPr lang="en-US" smtClean="0"/>
-              <a:t>8/13/16</a:t>
+              <a:t>9/20/16</a:t>
             </a:fld>
             <a:endParaRPr lang="en-US"/>
           </a:p>
@@ -1388,7 +1405,7 @@
           <a:p>
             <a:fld id="{C721276B-38BC-F24F-B36B-D23FB353AB88}" type="datetimeFigureOut">
               <a:rPr lang="en-US" smtClean="0"/>
-              <a:t>8/13/16</a:t>
+              <a:t>9/20/16</a:t>
             </a:fld>
             <a:endParaRPr lang="en-US"/>
           </a:p>
@@ -1810,7 +1827,7 @@
           <a:p>
             <a:fld id="{C721276B-38BC-F24F-B36B-D23FB353AB88}" type="datetimeFigureOut">
               <a:rPr lang="en-US" smtClean="0"/>
-              <a:t>8/13/16</a:t>
+              <a:t>9/20/16</a:t>
             </a:fld>
             <a:endParaRPr lang="en-US"/>
           </a:p>
@@ -1928,7 +1945,7 @@
           <a:p>
             <a:fld id="{C721276B-38BC-F24F-B36B-D23FB353AB88}" type="datetimeFigureOut">
               <a:rPr lang="en-US" smtClean="0"/>
-              <a:t>8/13/16</a:t>
+              <a:t>9/20/16</a:t>
             </a:fld>
             <a:endParaRPr lang="en-US"/>
           </a:p>
@@ -2023,7 +2040,7 @@
           <a:p>
             <a:fld id="{C721276B-38BC-F24F-B36B-D23FB353AB88}" type="datetimeFigureOut">
               <a:rPr lang="en-US" smtClean="0"/>
-              <a:t>8/13/16</a:t>
+              <a:t>9/20/16</a:t>
             </a:fld>
             <a:endParaRPr lang="en-US"/>
           </a:p>
@@ -2300,7 +2317,7 @@
           <a:p>
             <a:fld id="{C721276B-38BC-F24F-B36B-D23FB353AB88}" type="datetimeFigureOut">
               <a:rPr lang="en-US" smtClean="0"/>
-              <a:t>8/13/16</a:t>
+              <a:t>9/20/16</a:t>
             </a:fld>
             <a:endParaRPr lang="en-US"/>
           </a:p>
@@ -2553,7 +2570,7 @@
           <a:p>
             <a:fld id="{C721276B-38BC-F24F-B36B-D23FB353AB88}" type="datetimeFigureOut">
               <a:rPr lang="en-US" smtClean="0"/>
-              <a:t>8/13/16</a:t>
+              <a:t>9/20/16</a:t>
             </a:fld>
             <a:endParaRPr lang="en-US"/>
           </a:p>
@@ -2766,7 +2783,7 @@
           <a:p>
             <a:fld id="{C721276B-38BC-F24F-B36B-D23FB353AB88}" type="datetimeFigureOut">
               <a:rPr lang="en-US" smtClean="0"/>
-              <a:t>8/13/16</a:t>
+              <a:t>9/20/16</a:t>
             </a:fld>
             <a:endParaRPr lang="en-US"/>
           </a:p>
@@ -3795,7 +3812,7 @@
         <p:spPr>
           <a:xfrm>
             <a:off x="457200" y="1600200"/>
-            <a:ext cx="8229600" cy="4920629"/>
+            <a:ext cx="8229600" cy="4904295"/>
           </a:xfrm>
         </p:spPr>
         <p:txBody>
@@ -3813,15 +3830,31 @@
             <a:pPr lvl="1"/>
             <a:r>
               <a:rPr lang="en-US" dirty="0" smtClean="0"/>
-              <a:t>Single database server will eventually run out of processing power</a:t>
-            </a:r>
-          </a:p>
-          <a:p>
-            <a:pPr lvl="1"/>
-            <a:r>
-              <a:rPr lang="en-US" dirty="0" smtClean="0"/>
-              <a:t>Solution: store data across multiple database servers</a:t>
-            </a:r>
+              <a:t>Single database server will eventually run out of processing </a:t>
+            </a:r>
+            <a:r>
+              <a:rPr lang="en-US" dirty="0" smtClean="0"/>
+              <a:t>power</a:t>
+            </a:r>
+          </a:p>
+          <a:p>
+            <a:pPr lvl="1"/>
+            <a:endParaRPr lang="en-US" dirty="0" smtClean="0"/>
+          </a:p>
+          <a:p>
+            <a:pPr lvl="1"/>
+            <a:r>
+              <a:rPr lang="en-US" dirty="0" smtClean="0"/>
+              <a:t>Solution: store data across multiple database </a:t>
+            </a:r>
+            <a:r>
+              <a:rPr lang="en-US" dirty="0" smtClean="0"/>
+              <a:t>servers</a:t>
+            </a:r>
+          </a:p>
+          <a:p>
+            <a:pPr lvl="1"/>
+            <a:endParaRPr lang="en-US" dirty="0" smtClean="0"/>
           </a:p>
           <a:p>
             <a:pPr lvl="1"/>
@@ -3840,10 +3873,7 @@
             <a:pPr marL="0" indent="0">
               <a:buNone/>
             </a:pPr>
-            <a:r>
-              <a:rPr lang="en-US" dirty="0" smtClean="0"/>
-              <a:t>	</a:t>
-            </a:r>
+            <a:endParaRPr lang="en-US" dirty="0" smtClean="0"/>
           </a:p>
           <a:p>
             <a:pPr lvl="1"/>
@@ -4656,14 +4686,12 @@
               <a:rPr lang="en-US" dirty="0" smtClean="0"/>
               <a:t>Distributed infrastructure </a:t>
             </a:r>
-            <a:endParaRPr lang="en-US" dirty="0" smtClean="0"/>
           </a:p>
           <a:p>
             <a:r>
               <a:rPr lang="en-US" dirty="0" smtClean="0"/>
               <a:t>Virtualization</a:t>
             </a:r>
-            <a:endParaRPr lang="en-US" dirty="0" smtClean="0"/>
           </a:p>
           <a:p>
             <a:r>
@@ -5634,7 +5662,7 @@
         </p:spPr>
         <p:txBody>
           <a:bodyPr>
-            <a:normAutofit/>
+            <a:normAutofit lnSpcReduction="10000"/>
           </a:bodyPr>
           <a:lstStyle/>
           <a:p>
@@ -5642,6 +5670,10 @@
               <a:rPr lang="en-US" dirty="0" smtClean="0"/>
               <a:t>You learned about the concept of coupling in the software engineering course </a:t>
             </a:r>
+            <a:endParaRPr lang="en-US" dirty="0" smtClean="0"/>
+          </a:p>
+          <a:p>
+            <a:endParaRPr lang="en-US" dirty="0" smtClean="0"/>
           </a:p>
           <a:p>
             <a:r>
@@ -5667,8 +5699,16 @@
             <a:pPr lvl="1"/>
             <a:r>
               <a:rPr lang="en-US" dirty="0" smtClean="0"/>
-              <a:t>More flexible</a:t>
-            </a:r>
+              <a:t>More </a:t>
+            </a:r>
+            <a:r>
+              <a:rPr lang="en-US" dirty="0" smtClean="0"/>
+              <a:t>flexible</a:t>
+            </a:r>
+          </a:p>
+          <a:p>
+            <a:pPr lvl="1"/>
+            <a:endParaRPr lang="en-US" dirty="0" smtClean="0"/>
           </a:p>
           <a:p>
             <a:r>
@@ -5947,7 +5987,11 @@
           <a:p>
             <a:r>
               <a:rPr lang="en-US" dirty="0" smtClean="0"/>
-              <a:t>A stack: combination of infrastructure, OS, and applications required to support a service</a:t>
+              <a:t>A stack</a:t>
+            </a:r>
+            <a:r>
+              <a:rPr lang="en-US" dirty="0" smtClean="0"/>
+              <a:t>: combination of infrastructure, OS, and applications required to support a service</a:t>
             </a:r>
           </a:p>
           <a:p>
@@ -5968,7 +6012,15 @@
           <a:p>
             <a:r>
               <a:rPr lang="en-US" dirty="0" smtClean="0"/>
-              <a:t>Before early 2000’s, a stack = 1 server &amp; 1 OS</a:t>
+              <a:t>Before early 2000’s, a stack = 1 </a:t>
+            </a:r>
+            <a:r>
+              <a:rPr lang="en-US" dirty="0" smtClean="0"/>
+              <a:t>server/ 1 </a:t>
+            </a:r>
+            <a:r>
+              <a:rPr lang="en-US" dirty="0" smtClean="0"/>
+              <a:t>OS</a:t>
             </a:r>
           </a:p>
           <a:p>
@@ -5987,7 +6039,7 @@
         </p:nvGrpSpPr>
         <p:grpSpPr>
           <a:xfrm>
-            <a:off x="973291" y="2694683"/>
+            <a:off x="1053632" y="3005768"/>
             <a:ext cx="7036736" cy="2437440"/>
             <a:chOff x="735891" y="3175233"/>
             <a:chExt cx="7036736" cy="2437440"/>
@@ -6447,8 +6499,15 @@
           <a:p>
             <a:r>
               <a:rPr lang="en-US" dirty="0" smtClean="0"/>
-              <a:t>Problem: How does IT partition one customer from another?</a:t>
-            </a:r>
+              <a:t>Problem: How does IT partition one customer from another</a:t>
+            </a:r>
+            <a:r>
+              <a:rPr lang="en-US" dirty="0" smtClean="0"/>
+              <a:t>?</a:t>
+            </a:r>
+          </a:p>
+          <a:p>
+            <a:endParaRPr lang="en-US" dirty="0" smtClean="0"/>
           </a:p>
           <a:p>
             <a:pPr lvl="1"/>
@@ -6462,6 +6521,12 @@
               </a:rPr>
               <a:t></a:t>
             </a:r>
+          </a:p>
+          <a:p>
+            <a:pPr lvl="1"/>
+            <a:endParaRPr lang="en-US" dirty="0" smtClean="0">
+              <a:sym typeface="Wingdings"/>
+            </a:endParaRPr>
           </a:p>
           <a:p>
             <a:pPr lvl="1"/>
@@ -6591,8 +6656,16 @@
             <a:pPr lvl="1"/>
             <a:r>
               <a:rPr lang="en-US" dirty="0" smtClean="0"/>
-              <a:t>Program code can be designed to emulate a physical computer</a:t>
-            </a:r>
+              <a:t>Program code can be designed to emulate a physical </a:t>
+            </a:r>
+            <a:r>
+              <a:rPr lang="en-US" dirty="0" smtClean="0"/>
+              <a:t>computer</a:t>
+            </a:r>
+          </a:p>
+          <a:p>
+            <a:pPr lvl="1"/>
+            <a:endParaRPr lang="en-US" dirty="0" smtClean="0"/>
           </a:p>
           <a:p>
             <a:r>
@@ -6713,13 +6786,25 @@
         </p:spPr>
         <p:txBody>
           <a:bodyPr>
-            <a:normAutofit/>
+            <a:normAutofit fontScale="92500" lnSpcReduction="10000"/>
           </a:bodyPr>
           <a:lstStyle/>
           <a:p>
             <a:r>
               <a:rPr lang="en-US" dirty="0" smtClean="0"/>
-              <a:t>4 things that gave rise to server-based virtualization:</a:t>
+              <a:t>4 things that </a:t>
+            </a:r>
+            <a:r>
+              <a:rPr lang="en-US" dirty="0" smtClean="0"/>
+              <a:t>accelerated adoption </a:t>
+            </a:r>
+            <a:r>
+              <a:rPr lang="en-US" dirty="0" smtClean="0"/>
+              <a:t>of x86 server-based virtualization</a:t>
+            </a:r>
+            <a:r>
+              <a:rPr lang="en-US" dirty="0" smtClean="0"/>
+              <a:t>:</a:t>
             </a:r>
           </a:p>
           <a:p>
@@ -6735,20 +6820,41 @@
               <a:rPr lang="en-US" dirty="0" smtClean="0"/>
               <a:t>Powerful old mainframes supported virtualization, but Intel/AMD-based servers were not powerful enough until late 90’s. </a:t>
             </a:r>
-          </a:p>
-          <a:p>
-            <a:pPr lvl="1"/>
-            <a:r>
-              <a:rPr lang="en-US" dirty="0" smtClean="0"/>
-              <a:t>Faster, cheaper memory</a:t>
-            </a:r>
-          </a:p>
-          <a:p>
-            <a:pPr lvl="1"/>
-            <a:r>
-              <a:rPr lang="en-US" dirty="0" smtClean="0"/>
-              <a:t>Faster network storage (NAS/Fiber-channel)</a:t>
-            </a:r>
+            <a:endParaRPr lang="en-US" dirty="0" smtClean="0"/>
+          </a:p>
+          <a:p>
+            <a:pPr lvl="2"/>
+            <a:endParaRPr lang="en-US" dirty="0" smtClean="0"/>
+          </a:p>
+          <a:p>
+            <a:pPr lvl="1"/>
+            <a:r>
+              <a:rPr lang="en-US" dirty="0" smtClean="0"/>
+              <a:t>Faster, cheaper </a:t>
+            </a:r>
+            <a:r>
+              <a:rPr lang="en-US" dirty="0" smtClean="0"/>
+              <a:t>memory</a:t>
+            </a:r>
+          </a:p>
+          <a:p>
+            <a:pPr lvl="1"/>
+            <a:endParaRPr lang="en-US" dirty="0" smtClean="0"/>
+          </a:p>
+          <a:p>
+            <a:pPr lvl="1"/>
+            <a:r>
+              <a:rPr lang="en-US" dirty="0" smtClean="0"/>
+              <a:t>Faster network storage (NAS/Fiber-channel</a:t>
+            </a:r>
+            <a:r>
+              <a:rPr lang="en-US" dirty="0" smtClean="0"/>
+              <a:t>)</a:t>
+            </a:r>
+          </a:p>
+          <a:p>
+            <a:pPr lvl="1"/>
+            <a:endParaRPr lang="en-US" dirty="0" smtClean="0"/>
           </a:p>
           <a:p>
             <a:pPr lvl="1"/>
@@ -6861,7 +6967,7 @@
         </p:spPr>
         <p:txBody>
           <a:bodyPr>
-            <a:normAutofit/>
+            <a:normAutofit fontScale="92500" lnSpcReduction="10000"/>
           </a:bodyPr>
           <a:lstStyle/>
           <a:p>
@@ -6874,22 +6980,46 @@
             <a:pPr lvl="1"/>
             <a:r>
               <a:rPr lang="en-US" dirty="0" smtClean="0"/>
-              <a:t>Increases average resource utilization from 10% to 80-90%</a:t>
-            </a:r>
-          </a:p>
-          <a:p>
-            <a:pPr lvl="1"/>
-            <a:r>
-              <a:rPr lang="en-US" dirty="0" smtClean="0"/>
-              <a:t>Reduces physical footprint of servers</a:t>
-            </a:r>
-          </a:p>
-          <a:p>
-            <a:pPr lvl="1"/>
-            <a:r>
-              <a:rPr lang="en-US" dirty="0" smtClean="0"/>
-              <a:t>Greener approach</a:t>
-            </a:r>
+              <a:t>Increases average resource utilization from 10% to 80-90</a:t>
+            </a:r>
+            <a:r>
+              <a:rPr lang="en-US" dirty="0" smtClean="0"/>
+              <a:t>%</a:t>
+            </a:r>
+          </a:p>
+          <a:p>
+            <a:pPr lvl="1"/>
+            <a:endParaRPr lang="en-US" dirty="0" smtClean="0"/>
+          </a:p>
+          <a:p>
+            <a:pPr lvl="1"/>
+            <a:r>
+              <a:rPr lang="en-US" dirty="0" smtClean="0"/>
+              <a:t>Reduces physical footprint of </a:t>
+            </a:r>
+            <a:r>
+              <a:rPr lang="en-US" dirty="0" smtClean="0"/>
+              <a:t>servers</a:t>
+            </a:r>
+          </a:p>
+          <a:p>
+            <a:pPr lvl="1"/>
+            <a:endParaRPr lang="en-US" dirty="0" smtClean="0"/>
+          </a:p>
+          <a:p>
+            <a:pPr lvl="1"/>
+            <a:r>
+              <a:rPr lang="en-US" dirty="0" smtClean="0"/>
+              <a:t>Greener </a:t>
+            </a:r>
+            <a:r>
+              <a:rPr lang="en-US" dirty="0" smtClean="0"/>
+              <a:t>approach</a:t>
+            </a:r>
+          </a:p>
+          <a:p>
+            <a:pPr lvl="1"/>
+            <a:endParaRPr lang="en-US" dirty="0" smtClean="0"/>
           </a:p>
           <a:p>
             <a:pPr lvl="1"/>
@@ -7019,8 +7149,16 @@
             <a:pPr lvl="1"/>
             <a:r>
               <a:rPr lang="en-US" dirty="0" smtClean="0"/>
-              <a:t>Easy to move a stack from an older physical server to a newer physical server</a:t>
-            </a:r>
+              <a:t>Easy to move a stack from an older physical server to a newer physical </a:t>
+            </a:r>
+            <a:r>
+              <a:rPr lang="en-US" dirty="0" smtClean="0"/>
+              <a:t>server</a:t>
+            </a:r>
+          </a:p>
+          <a:p>
+            <a:pPr lvl="1"/>
+            <a:endParaRPr lang="en-US" dirty="0" smtClean="0"/>
           </a:p>
           <a:p>
             <a:r>
@@ -7121,7 +7259,7 @@
         </p:spPr>
         <p:txBody>
           <a:bodyPr>
-            <a:normAutofit fontScale="92500" lnSpcReduction="10000"/>
+            <a:normAutofit fontScale="85000" lnSpcReduction="20000"/>
           </a:bodyPr>
           <a:lstStyle/>
           <a:p>
@@ -7133,36 +7271,88 @@
           <a:p>
             <a:pPr lvl="1"/>
             <a:r>
-              <a:rPr lang="en-US" dirty="0" smtClean="0"/>
-              <a:t>Host machine: physical server that supports multiple stacks</a:t>
-            </a:r>
-          </a:p>
-          <a:p>
-            <a:pPr lvl="1"/>
-            <a:r>
-              <a:rPr lang="en-US" dirty="0" smtClean="0"/>
-              <a:t>Virtual machine: virtualized server instance running on a host machine (also known as an instance)</a:t>
-            </a:r>
-          </a:p>
-          <a:p>
-            <a:pPr lvl="1"/>
-            <a:r>
-              <a:rPr lang="en-US" dirty="0" smtClean="0"/>
-              <a:t>Host OS: operating system running on a bare-metal server</a:t>
-            </a:r>
-          </a:p>
-          <a:p>
-            <a:pPr lvl="1"/>
-            <a:r>
-              <a:rPr lang="en-US" dirty="0" smtClean="0"/>
-              <a:t>Guest OS: operating system running on a virtual machine</a:t>
-            </a:r>
-          </a:p>
-          <a:p>
-            <a:pPr lvl="1"/>
-            <a:r>
-              <a:rPr lang="en-US" dirty="0" smtClean="0"/>
-              <a:t>Hypervisor: Software that emulates and manages the communication between virtual machines and the physical server</a:t>
+              <a:rPr lang="en-US" b="1" dirty="0" smtClean="0"/>
+              <a:t>Host machine</a:t>
+            </a:r>
+            <a:r>
+              <a:rPr lang="en-US" dirty="0" smtClean="0"/>
+              <a:t>: physical server that supports multiple </a:t>
+            </a:r>
+            <a:r>
+              <a:rPr lang="en-US" dirty="0" smtClean="0"/>
+              <a:t>stacks</a:t>
+            </a:r>
+          </a:p>
+          <a:p>
+            <a:pPr lvl="1"/>
+            <a:endParaRPr lang="en-US" dirty="0" smtClean="0"/>
+          </a:p>
+          <a:p>
+            <a:pPr lvl="1"/>
+            <a:r>
+              <a:rPr lang="en-US" b="1" dirty="0" smtClean="0"/>
+              <a:t>Virtual machine</a:t>
+            </a:r>
+            <a:r>
+              <a:rPr lang="en-US" dirty="0" smtClean="0"/>
+              <a:t>: virtualized server instance running on a host machine (also known as an instance</a:t>
+            </a:r>
+            <a:r>
+              <a:rPr lang="en-US" dirty="0" smtClean="0"/>
+              <a:t>)</a:t>
+            </a:r>
+          </a:p>
+          <a:p>
+            <a:pPr lvl="1"/>
+            <a:endParaRPr lang="en-US" dirty="0" smtClean="0"/>
+          </a:p>
+          <a:p>
+            <a:pPr lvl="1"/>
+            <a:r>
+              <a:rPr lang="en-US" b="1" dirty="0" smtClean="0"/>
+              <a:t>Host OS</a:t>
+            </a:r>
+            <a:r>
+              <a:rPr lang="en-US" dirty="0" smtClean="0"/>
+              <a:t>: operating system running on a bare-metal </a:t>
+            </a:r>
+            <a:r>
+              <a:rPr lang="en-US" dirty="0" smtClean="0"/>
+              <a:t>server</a:t>
+            </a:r>
+          </a:p>
+          <a:p>
+            <a:pPr lvl="1"/>
+            <a:endParaRPr lang="en-US" dirty="0" smtClean="0"/>
+          </a:p>
+          <a:p>
+            <a:pPr lvl="1"/>
+            <a:r>
+              <a:rPr lang="en-US" b="1" dirty="0" smtClean="0"/>
+              <a:t>Guest OS</a:t>
+            </a:r>
+            <a:r>
+              <a:rPr lang="en-US" dirty="0" smtClean="0"/>
+              <a:t>: operating system running on a virtual </a:t>
+            </a:r>
+            <a:r>
+              <a:rPr lang="en-US" dirty="0" smtClean="0"/>
+              <a:t>machine</a:t>
+            </a:r>
+          </a:p>
+          <a:p>
+            <a:pPr lvl="1"/>
+            <a:endParaRPr lang="en-US" dirty="0" smtClean="0"/>
+          </a:p>
+          <a:p>
+            <a:pPr lvl="1"/>
+            <a:r>
+              <a:rPr lang="en-US" b="1" dirty="0" smtClean="0"/>
+              <a:t>Hypervisor</a:t>
+            </a:r>
+            <a:r>
+              <a:rPr lang="en-US" dirty="0" smtClean="0"/>
+              <a:t>: Software that emulates and manages the communication between virtual machines and the physical server</a:t>
             </a:r>
           </a:p>
           <a:p>
@@ -7278,53 +7468,21 @@
             <a:pPr lvl="1"/>
             <a:r>
               <a:rPr lang="en-US" dirty="0" smtClean="0"/>
-              <a:t>Big expensive mainframe-type systems</a:t>
-            </a:r>
-          </a:p>
-          <a:p>
-            <a:r>
-              <a:rPr lang="en-US" dirty="0" smtClean="0"/>
-              <a:t>Software virtualization</a:t>
-            </a:r>
-          </a:p>
-          <a:p>
-            <a:pPr lvl="1"/>
-            <a:r>
-              <a:rPr lang="en-US" dirty="0" smtClean="0"/>
-              <a:t>Type 1 Hypervisor</a:t>
-            </a:r>
-          </a:p>
-          <a:p>
-            <a:pPr lvl="2"/>
-            <a:r>
-              <a:rPr lang="en-US" dirty="0" smtClean="0"/>
-              <a:t>Runs on top of the bare-metal server and sits between hardware and operating systems in the stacks</a:t>
-            </a:r>
-          </a:p>
-          <a:p>
-            <a:pPr lvl="2"/>
-            <a:r>
-              <a:rPr lang="en-US" dirty="0" smtClean="0"/>
-              <a:t>Examples: </a:t>
-            </a:r>
-            <a:r>
-              <a:rPr lang="en-US" dirty="0" err="1" smtClean="0"/>
-              <a:t>VMWare</a:t>
-            </a:r>
-            <a:r>
-              <a:rPr lang="en-US" dirty="0" smtClean="0"/>
-              <a:t> ESX, Microsoft Virtual Server, </a:t>
-            </a:r>
-            <a:r>
-              <a:rPr lang="en-US" dirty="0" err="1" smtClean="0"/>
-              <a:t>Xen</a:t>
-            </a:r>
-            <a:endParaRPr lang="en-US" dirty="0"/>
-          </a:p>
-          <a:p>
+              <a:t>Big expensive mainframe-type </a:t>
+            </a:r>
+            <a:r>
+              <a:rPr lang="en-US" dirty="0" smtClean="0"/>
+              <a:t>systems</a:t>
+            </a:r>
+          </a:p>
+          <a:p>
+            <a:pPr lvl="1"/>
             <a:endParaRPr lang="en-US" dirty="0" smtClean="0"/>
           </a:p>
           <a:p>
+            <a:endParaRPr lang="en-US" dirty="0" smtClean="0"/>
+          </a:p>
+          <a:p>
             <a:endParaRPr lang="en-US" dirty="0"/>
           </a:p>
           <a:p>
@@ -7338,6 +7496,30 @@
           </a:p>
         </p:txBody>
       </p:sp>
+      <p:pic>
+        <p:nvPicPr>
+          <p:cNvPr id="4" name="Picture 3"/>
+          <p:cNvPicPr>
+            <a:picLocks noChangeAspect="1"/>
+          </p:cNvPicPr>
+          <p:nvPr/>
+        </p:nvPicPr>
+        <p:blipFill>
+          <a:blip r:embed="rId2"/>
+          <a:stretch>
+            <a:fillRect/>
+          </a:stretch>
+        </p:blipFill>
+        <p:spPr>
+          <a:xfrm>
+            <a:off x="2281286" y="3570079"/>
+            <a:ext cx="5291383" cy="2950750"/>
+          </a:xfrm>
+          <a:prstGeom prst="rect">
+            <a:avLst/>
+          </a:prstGeom>
+        </p:spPr>
+      </p:pic>
     </p:spTree>
     <p:extLst>
       <p:ext uri="{BB962C8B-B14F-4D97-AF65-F5344CB8AC3E}">
@@ -7380,168 +7562,104 @@
         </p:nvSpPr>
         <p:spPr/>
         <p:txBody>
+          <a:bodyPr/>
+          <a:lstStyle/>
+          <a:p>
+            <a:r>
+              <a:rPr lang="en-US" dirty="0" smtClean="0"/>
+              <a:t>Virtualization Types</a:t>
+            </a:r>
+            <a:endParaRPr lang="en-US" dirty="0"/>
+          </a:p>
+        </p:txBody>
+      </p:sp>
+      <p:sp>
+        <p:nvSpPr>
+          <p:cNvPr id="3" name="Content Placeholder 2"/>
+          <p:cNvSpPr>
+            <a:spLocks noGrp="1"/>
+          </p:cNvSpPr>
+          <p:nvPr>
+            <p:ph idx="1"/>
+          </p:nvPr>
+        </p:nvSpPr>
+        <p:spPr/>
+        <p:txBody>
           <a:bodyPr>
-            <a:normAutofit/>
+            <a:normAutofit lnSpcReduction="10000"/>
           </a:bodyPr>
           <a:lstStyle/>
           <a:p>
             <a:r>
-              <a:rPr lang="en-US" dirty="0" smtClean="0"/>
-              <a:t>Virtualization Types</a:t>
-            </a:r>
-            <a:endParaRPr lang="en-US" dirty="0"/>
-          </a:p>
-        </p:txBody>
-      </p:sp>
-      <p:sp>
-        <p:nvSpPr>
-          <p:cNvPr id="3" name="Content Placeholder 2"/>
-          <p:cNvSpPr>
-            <a:spLocks noGrp="1"/>
-          </p:cNvSpPr>
-          <p:nvPr>
-            <p:ph idx="1"/>
-          </p:nvPr>
-        </p:nvSpPr>
-        <p:spPr>
-          <a:xfrm>
-            <a:off x="457200" y="1600200"/>
-            <a:ext cx="8229600" cy="4920629"/>
-          </a:xfrm>
-        </p:spPr>
-        <p:txBody>
-          <a:bodyPr>
-            <a:normAutofit fontScale="92500"/>
-          </a:bodyPr>
-          <a:lstStyle/>
-          <a:p>
-            <a:pPr lvl="1"/>
-            <a:r>
-              <a:rPr lang="en-US" dirty="0" smtClean="0"/>
+              <a:rPr lang="en-US" dirty="0"/>
+              <a:t>Software virtualization</a:t>
+            </a:r>
+          </a:p>
+          <a:p>
+            <a:pPr lvl="1"/>
+            <a:r>
+              <a:rPr lang="en-US" dirty="0"/>
+              <a:t>Type 1 Hypervisor</a:t>
+            </a:r>
+          </a:p>
+          <a:p>
+            <a:pPr lvl="2"/>
+            <a:r>
+              <a:rPr lang="en-US" dirty="0"/>
+              <a:t>Runs on top of the bare-metal server and sits between hardware and operating systems in the stacks</a:t>
+            </a:r>
+          </a:p>
+          <a:p>
+            <a:pPr lvl="2"/>
+            <a:r>
+              <a:rPr lang="en-US" dirty="0"/>
+              <a:t>Examples: VMWare ESX, Microsoft Virtual Server, </a:t>
+            </a:r>
+            <a:r>
+              <a:rPr lang="en-US" dirty="0" smtClean="0"/>
+              <a:t>Xen</a:t>
+            </a:r>
+          </a:p>
+          <a:p>
+            <a:pPr lvl="2"/>
+            <a:endParaRPr lang="en-US" dirty="0"/>
+          </a:p>
+          <a:p>
+            <a:pPr lvl="1"/>
+            <a:r>
+              <a:rPr lang="en-US" dirty="0"/>
               <a:t>Type 2 Hypervisor</a:t>
             </a:r>
           </a:p>
           <a:p>
             <a:pPr lvl="2"/>
             <a:r>
-              <a:rPr lang="en-US" dirty="0" smtClean="0"/>
+              <a:rPr lang="en-US" dirty="0"/>
               <a:t>Runs on top of an operating system</a:t>
             </a:r>
           </a:p>
           <a:p>
             <a:pPr lvl="2"/>
             <a:r>
-              <a:rPr lang="en-US" dirty="0" smtClean="0"/>
+              <a:rPr lang="en-US" dirty="0"/>
               <a:t>Easy installation</a:t>
             </a:r>
           </a:p>
           <a:p>
             <a:pPr lvl="2"/>
             <a:r>
-              <a:rPr lang="en-US" dirty="0" smtClean="0"/>
+              <a:rPr lang="en-US" dirty="0"/>
               <a:t>Example: Oracle </a:t>
             </a:r>
             <a:r>
-              <a:rPr lang="en-US" dirty="0" err="1" smtClean="0"/>
+              <a:rPr lang="en-US" dirty="0" err="1"/>
               <a:t>VirtualBox</a:t>
             </a:r>
             <a:r>
-              <a:rPr lang="en-US" dirty="0" smtClean="0"/>
-              <a:t>, </a:t>
-            </a:r>
-            <a:r>
-              <a:rPr lang="en-US" dirty="0" err="1" smtClean="0"/>
-              <a:t>VMWare</a:t>
-            </a:r>
-            <a:r>
-              <a:rPr lang="en-US" dirty="0" smtClean="0"/>
-              <a:t> Fusion</a:t>
-            </a:r>
-            <a:endParaRPr lang="en-US" dirty="0"/>
-          </a:p>
-          <a:p>
-            <a:pPr lvl="1"/>
-            <a:r>
-              <a:rPr lang="en-US" dirty="0" smtClean="0"/>
-              <a:t>Type 1 vs. Type 2</a:t>
-            </a:r>
-          </a:p>
-          <a:p>
-            <a:pPr lvl="2"/>
-            <a:r>
-              <a:rPr lang="en-US" dirty="0" smtClean="0"/>
-              <a:t>Type 1 provides higher performance &amp; security</a:t>
-            </a:r>
-          </a:p>
-          <a:p>
-            <a:pPr lvl="1"/>
-            <a:r>
-              <a:rPr lang="en-US" dirty="0" smtClean="0"/>
-              <a:t>Full virtualization vs. </a:t>
-            </a:r>
-            <a:r>
-              <a:rPr lang="en-US" dirty="0" err="1" smtClean="0"/>
-              <a:t>Paravirtualization</a:t>
-            </a:r>
-            <a:endParaRPr lang="en-US" dirty="0" smtClean="0"/>
-          </a:p>
-          <a:p>
-            <a:pPr lvl="2"/>
-            <a:r>
-              <a:rPr lang="en-US" dirty="0" smtClean="0"/>
-              <a:t>Full virtualization = guest operating systems are not “aware” that they are being virtualized</a:t>
-            </a:r>
-          </a:p>
-          <a:p>
-            <a:pPr lvl="2"/>
-            <a:r>
-              <a:rPr lang="en-US" dirty="0" smtClean="0"/>
-              <a:t>Para virtualization = guest operating system are “aware” of virtualization and have special kernel modifications (better performance than full virtualization)</a:t>
-            </a:r>
-          </a:p>
-          <a:p>
-            <a:pPr lvl="1"/>
-            <a:endParaRPr lang="en-US" dirty="0" smtClean="0"/>
-          </a:p>
-          <a:p>
-            <a:pPr lvl="2"/>
-            <a:endParaRPr lang="en-US" dirty="0" smtClean="0"/>
-          </a:p>
-          <a:p>
-            <a:endParaRPr lang="en-US" dirty="0"/>
-          </a:p>
-          <a:p>
-            <a:pPr marL="0" indent="0">
-              <a:buNone/>
-            </a:pPr>
-            <a:endParaRPr lang="en-US" dirty="0"/>
-          </a:p>
-          <a:p>
-            <a:endParaRPr lang="en-US" dirty="0" smtClean="0"/>
-          </a:p>
-        </p:txBody>
-      </p:sp>
-      <p:sp>
-        <p:nvSpPr>
-          <p:cNvPr id="4" name="TextBox 3"/>
-          <p:cNvSpPr txBox="1"/>
-          <p:nvPr/>
-        </p:nvSpPr>
-        <p:spPr>
-          <a:xfrm>
-            <a:off x="3561365" y="4268655"/>
-            <a:ext cx="184666" cy="369332"/>
-          </a:xfrm>
-          <a:prstGeom prst="rect">
-            <a:avLst/>
-          </a:prstGeom>
-          <a:noFill/>
-        </p:spPr>
-        <p:txBody>
-          <a:bodyPr wrap="none" rtlCol="0">
-            <a:spAutoFit/>
-          </a:bodyPr>
-          <a:lstStyle/>
+              <a:rPr lang="en-US" dirty="0"/>
+              <a:t>, VMWare Fusion</a:t>
+            </a:r>
+          </a:p>
           <a:p>
             <a:endParaRPr lang="en-US" dirty="0"/>
           </a:p>
@@ -7550,7 +7668,7 @@
     </p:spTree>
     <p:extLst>
       <p:ext uri="{BB962C8B-B14F-4D97-AF65-F5344CB8AC3E}">
-        <p14:creationId xmlns:p14="http://schemas.microsoft.com/office/powerpoint/2010/main" val="2526346320"/>
+        <p14:creationId xmlns:p14="http://schemas.microsoft.com/office/powerpoint/2010/main" val="1126371502"/>
       </p:ext>
     </p:extLst>
   </p:cSld>
@@ -7624,50 +7742,96 @@
           </a:bodyPr>
           <a:lstStyle/>
           <a:p>
-            <a:r>
-              <a:rPr lang="en-US" dirty="0" smtClean="0"/>
-              <a:t>OS Partitioning</a:t>
-            </a:r>
-          </a:p>
-          <a:p>
-            <a:pPr lvl="1"/>
-            <a:r>
-              <a:rPr lang="en-US" dirty="0" smtClean="0"/>
-              <a:t>Host (or guest) operating system can partition out processes, memory, and scheduling to emulate a separate OS environment</a:t>
-            </a:r>
-          </a:p>
-          <a:p>
-            <a:pPr lvl="1"/>
-            <a:r>
-              <a:rPr lang="en-US" dirty="0" smtClean="0"/>
-              <a:t>Separate OS environments all use same kernel</a:t>
+            <a:pPr lvl="1"/>
+            <a:r>
+              <a:rPr lang="en-US" dirty="0" smtClean="0"/>
+              <a:t>Type </a:t>
+            </a:r>
+            <a:r>
+              <a:rPr lang="en-US" dirty="0" smtClean="0"/>
+              <a:t>1 vs. Type 2</a:t>
             </a:r>
           </a:p>
           <a:p>
             <a:pPr lvl="2"/>
             <a:r>
               <a:rPr lang="en-US" dirty="0" smtClean="0"/>
-              <a:t>If host is Linux then all “guests” are Linux</a:t>
-            </a:r>
-          </a:p>
-          <a:p>
-            <a:pPr lvl="1"/>
-            <a:r>
-              <a:rPr lang="en-US" dirty="0" smtClean="0"/>
-              <a:t>Example: </a:t>
+              <a:t>Type 1 provides higher performance &amp; </a:t>
+            </a:r>
+            <a:r>
+              <a:rPr lang="en-US" dirty="0" smtClean="0"/>
+              <a:t>security</a:t>
+            </a:r>
+          </a:p>
+          <a:p>
+            <a:pPr lvl="2"/>
+            <a:endParaRPr lang="en-US" dirty="0" smtClean="0"/>
+          </a:p>
+          <a:p>
+            <a:pPr lvl="1"/>
+            <a:r>
+              <a:rPr lang="en-US" dirty="0" smtClean="0"/>
+              <a:t>Full virtualization vs. </a:t>
             </a:r>
             <a:r>
               <a:rPr lang="en-US" dirty="0" err="1" smtClean="0"/>
-              <a:t>Docker</a:t>
+              <a:t>Paravirtualization</a:t>
             </a:r>
             <a:endParaRPr lang="en-US" dirty="0" smtClean="0"/>
           </a:p>
           <a:p>
-            <a:pPr lvl="1"/>
-            <a:r>
-              <a:rPr lang="en-US" dirty="0" smtClean="0"/>
-              <a:t>We will cover this later in the course.</a:t>
-            </a:r>
+            <a:pPr lvl="2"/>
+            <a:r>
+              <a:rPr lang="en-US" dirty="0" smtClean="0"/>
+              <a:t>Full virtualization = guest operating systems are not “aware” that they are being </a:t>
+            </a:r>
+            <a:r>
+              <a:rPr lang="en-US" dirty="0" smtClean="0"/>
+              <a:t>virtualized</a:t>
+            </a:r>
+          </a:p>
+          <a:p>
+            <a:pPr lvl="2"/>
+            <a:endParaRPr lang="en-US" dirty="0" smtClean="0"/>
+          </a:p>
+          <a:p>
+            <a:pPr lvl="2"/>
+            <a:r>
+              <a:rPr lang="en-US" dirty="0" err="1" smtClean="0"/>
+              <a:t>Paravirtualization</a:t>
+            </a:r>
+            <a:r>
+              <a:rPr lang="en-US" dirty="0" smtClean="0"/>
+              <a:t> </a:t>
+            </a:r>
+            <a:r>
+              <a:rPr lang="en-US" dirty="0" smtClean="0"/>
+              <a:t>= guest operating system are “aware” of virtualization and have special kernel </a:t>
+            </a:r>
+            <a:r>
+              <a:rPr lang="en-US" dirty="0" smtClean="0"/>
+              <a:t>modifications</a:t>
+            </a:r>
+          </a:p>
+          <a:p>
+            <a:pPr lvl="3"/>
+            <a:r>
+              <a:rPr lang="en-US" dirty="0" smtClean="0"/>
+              <a:t>better </a:t>
+            </a:r>
+            <a:r>
+              <a:rPr lang="en-US" dirty="0" smtClean="0"/>
+              <a:t>performance than full </a:t>
+            </a:r>
+            <a:r>
+              <a:rPr lang="en-US" dirty="0" smtClean="0"/>
+              <a:t>virtualization in past years</a:t>
+            </a:r>
+            <a:endParaRPr lang="en-US" dirty="0" smtClean="0"/>
+          </a:p>
+          <a:p>
+            <a:pPr lvl="1"/>
+            <a:endParaRPr lang="en-US" dirty="0" smtClean="0"/>
           </a:p>
           <a:p>
             <a:pPr lvl="2"/>
@@ -7716,7 +7880,7 @@
     </p:spTree>
     <p:extLst>
       <p:ext uri="{BB962C8B-B14F-4D97-AF65-F5344CB8AC3E}">
-        <p14:creationId xmlns:p14="http://schemas.microsoft.com/office/powerpoint/2010/main" val="680306424"/>
+        <p14:creationId xmlns:p14="http://schemas.microsoft.com/office/powerpoint/2010/main" val="2526346320"/>
       </p:ext>
     </p:extLst>
   </p:cSld>
@@ -7894,7 +8058,7 @@
           <a:p>
             <a:r>
               <a:rPr lang="en-US" dirty="0" smtClean="0"/>
-              <a:t>Virtualization infrastructure</a:t>
+              <a:t>Virtualization Types</a:t>
             </a:r>
             <a:endParaRPr lang="en-US" dirty="0"/>
           </a:p>
@@ -7924,15 +8088,79 @@
           <a:p>
             <a:r>
               <a:rPr lang="en-US" dirty="0" smtClean="0"/>
-              <a:t>Server virtualization is predominant form of virtualized infrastructure</a:t>
-            </a:r>
-          </a:p>
-          <a:p>
-            <a:pPr lvl="1"/>
-            <a:r>
-              <a:rPr lang="en-US" dirty="0" smtClean="0"/>
-              <a:t>Most servers in enterprises are now virtualized</a:t>
-            </a:r>
+              <a:t>OS Partitioning</a:t>
+            </a:r>
+          </a:p>
+          <a:p>
+            <a:pPr lvl="1"/>
+            <a:r>
+              <a:rPr lang="en-US" dirty="0" smtClean="0"/>
+              <a:t>Host (or guest) operating system can partition out processes, memory, and scheduling to emulate a separate OS </a:t>
+            </a:r>
+            <a:r>
+              <a:rPr lang="en-US" dirty="0" smtClean="0"/>
+              <a:t>environment</a:t>
+            </a:r>
+          </a:p>
+          <a:p>
+            <a:pPr lvl="1"/>
+            <a:endParaRPr lang="en-US" dirty="0" smtClean="0"/>
+          </a:p>
+          <a:p>
+            <a:pPr lvl="1"/>
+            <a:r>
+              <a:rPr lang="en-US" dirty="0" smtClean="0"/>
+              <a:t>Separate OS environments all use same kernel</a:t>
+            </a:r>
+          </a:p>
+          <a:p>
+            <a:pPr lvl="2"/>
+            <a:r>
+              <a:rPr lang="en-US" dirty="0" smtClean="0"/>
+              <a:t>If host is Linux then all “guests” are </a:t>
+            </a:r>
+            <a:r>
+              <a:rPr lang="en-US" dirty="0" smtClean="0"/>
+              <a:t>Linux</a:t>
+            </a:r>
+          </a:p>
+          <a:p>
+            <a:pPr lvl="2"/>
+            <a:endParaRPr lang="en-US" dirty="0" smtClean="0"/>
+          </a:p>
+          <a:p>
+            <a:pPr lvl="1"/>
+            <a:r>
+              <a:rPr lang="en-US" dirty="0" smtClean="0"/>
+              <a:t>Example: </a:t>
+            </a:r>
+            <a:r>
+              <a:rPr lang="en-US" dirty="0" smtClean="0"/>
+              <a:t>Docker containers</a:t>
+            </a:r>
+            <a:endParaRPr lang="en-US" dirty="0" smtClean="0"/>
+          </a:p>
+          <a:p>
+            <a:pPr lvl="2"/>
+            <a:r>
+              <a:rPr lang="en-US" dirty="0" smtClean="0"/>
+              <a:t>We will cover this later in the course</a:t>
+            </a:r>
+            <a:r>
+              <a:rPr lang="en-US" dirty="0" smtClean="0"/>
+              <a:t>. </a:t>
+            </a:r>
+            <a:r>
+              <a:rPr lang="en-US" dirty="0" smtClean="0">
+                <a:sym typeface="Wingdings"/>
+              </a:rPr>
+              <a:t></a:t>
+            </a:r>
+            <a:endParaRPr lang="en-US" dirty="0" smtClean="0"/>
+          </a:p>
+          <a:p>
+            <a:pPr lvl="2"/>
+            <a:endParaRPr lang="en-US" dirty="0" smtClean="0"/>
           </a:p>
           <a:p>
             <a:endParaRPr lang="en-US" dirty="0"/>
@@ -7974,33 +8202,10 @@
           </a:p>
         </p:txBody>
       </p:sp>
-      <p:pic>
-        <p:nvPicPr>
-          <p:cNvPr id="5" name="Picture 4"/>
-          <p:cNvPicPr>
-            <a:picLocks noChangeAspect="1"/>
-          </p:cNvPicPr>
-          <p:nvPr/>
-        </p:nvPicPr>
-        <p:blipFill rotWithShape="1">
-          <a:blip r:embed="rId2"/>
-          <a:srcRect b="12409"/>
-          <a:stretch/>
-        </p:blipFill>
-        <p:spPr>
-          <a:xfrm>
-            <a:off x="2225853" y="3295843"/>
-            <a:ext cx="4106862" cy="3447583"/>
-          </a:xfrm>
-          <a:prstGeom prst="rect">
-            <a:avLst/>
-          </a:prstGeom>
-        </p:spPr>
-      </p:pic>
     </p:spTree>
     <p:extLst>
       <p:ext uri="{BB962C8B-B14F-4D97-AF65-F5344CB8AC3E}">
-        <p14:creationId xmlns:p14="http://schemas.microsoft.com/office/powerpoint/2010/main" val="4180112050"/>
+        <p14:creationId xmlns:p14="http://schemas.microsoft.com/office/powerpoint/2010/main" val="680306424"/>
       </p:ext>
     </p:extLst>
   </p:cSld>
@@ -8076,28 +8281,19 @@
           <a:p>
             <a:r>
               <a:rPr lang="en-US" dirty="0" smtClean="0"/>
-              <a:t>Other forms of virtualized infrastructure:</a:t>
-            </a:r>
-          </a:p>
-          <a:p>
-            <a:pPr lvl="1"/>
-            <a:r>
-              <a:rPr lang="en-US" dirty="0" smtClean="0"/>
-              <a:t>Virtual Desktop Infrastructure (VDI)</a:t>
-            </a:r>
-          </a:p>
-          <a:p>
-            <a:pPr lvl="1"/>
-            <a:r>
-              <a:rPr lang="en-US" dirty="0" smtClean="0"/>
-              <a:t>Storage virtualization: pooling together storage devices from disparate vendors and presenting as a single device</a:t>
-            </a:r>
-          </a:p>
-          <a:p>
-            <a:pPr lvl="1"/>
-            <a:r>
-              <a:rPr lang="en-US" dirty="0" smtClean="0"/>
-              <a:t>Network virtualization: replace physical switches and firewalls with software (AWS VPC)</a:t>
+              <a:t>Server virtualization is predominant form of virtualized </a:t>
+            </a:r>
+            <a:r>
+              <a:rPr lang="en-US" dirty="0" smtClean="0"/>
+              <a:t>infrastructure</a:t>
+            </a:r>
+            <a:endParaRPr lang="en-US" dirty="0" smtClean="0"/>
+          </a:p>
+          <a:p>
+            <a:pPr lvl="1"/>
+            <a:r>
+              <a:rPr lang="en-US" dirty="0" smtClean="0"/>
+              <a:t>Most servers in enterprises are now virtualized</a:t>
             </a:r>
           </a:p>
           <a:p>
@@ -8140,10 +8336,33 @@
           </a:p>
         </p:txBody>
       </p:sp>
+      <p:pic>
+        <p:nvPicPr>
+          <p:cNvPr id="5" name="Picture 4"/>
+          <p:cNvPicPr>
+            <a:picLocks noChangeAspect="1"/>
+          </p:cNvPicPr>
+          <p:nvPr/>
+        </p:nvPicPr>
+        <p:blipFill rotWithShape="1">
+          <a:blip r:embed="rId2"/>
+          <a:srcRect b="12409"/>
+          <a:stretch/>
+        </p:blipFill>
+        <p:spPr>
+          <a:xfrm>
+            <a:off x="2386109" y="3333551"/>
+            <a:ext cx="4106862" cy="3447583"/>
+          </a:xfrm>
+          <a:prstGeom prst="rect">
+            <a:avLst/>
+          </a:prstGeom>
+        </p:spPr>
+      </p:pic>
     </p:spTree>
     <p:extLst>
       <p:ext uri="{BB962C8B-B14F-4D97-AF65-F5344CB8AC3E}">
-        <p14:creationId xmlns:p14="http://schemas.microsoft.com/office/powerpoint/2010/main" val="2330205531"/>
+        <p14:creationId xmlns:p14="http://schemas.microsoft.com/office/powerpoint/2010/main" val="4180112050"/>
       </p:ext>
     </p:extLst>
   </p:cSld>
@@ -8188,8 +8407,8 @@
           <a:lstStyle/>
           <a:p>
             <a:r>
-              <a:rPr lang="en-US" dirty="0" err="1" smtClean="0"/>
-              <a:t>VirtualBox</a:t>
+              <a:rPr lang="en-US" dirty="0" smtClean="0"/>
+              <a:t>Virtualization infrastructure</a:t>
             </a:r>
             <a:endParaRPr lang="en-US" dirty="0"/>
           </a:p>
@@ -8219,6 +8438,177 @@
           <a:p>
             <a:r>
               <a:rPr lang="en-US" dirty="0" smtClean="0"/>
+              <a:t>Other forms of virtualized infrastructure:</a:t>
+            </a:r>
+          </a:p>
+          <a:p>
+            <a:pPr lvl="1"/>
+            <a:r>
+              <a:rPr lang="en-US" dirty="0" smtClean="0"/>
+              <a:t>Virtual Desktop Infrastructure (VDI</a:t>
+            </a:r>
+            <a:r>
+              <a:rPr lang="en-US" dirty="0" smtClean="0"/>
+              <a:t>)</a:t>
+            </a:r>
+          </a:p>
+          <a:p>
+            <a:pPr lvl="1"/>
+            <a:endParaRPr lang="en-US" dirty="0" smtClean="0"/>
+          </a:p>
+          <a:p>
+            <a:pPr lvl="1"/>
+            <a:r>
+              <a:rPr lang="en-US" dirty="0" smtClean="0"/>
+              <a:t>Storage virtualization: pooling together storage devices from disparate vendors and presenting as a single </a:t>
+            </a:r>
+            <a:r>
+              <a:rPr lang="en-US" dirty="0" smtClean="0"/>
+              <a:t>device</a:t>
+            </a:r>
+          </a:p>
+          <a:p>
+            <a:pPr lvl="1"/>
+            <a:endParaRPr lang="en-US" dirty="0" smtClean="0"/>
+          </a:p>
+          <a:p>
+            <a:pPr lvl="1"/>
+            <a:r>
+              <a:rPr lang="en-US" dirty="0" smtClean="0"/>
+              <a:t>Network virtualization: replace physical switches and firewalls with software (AWS VPC</a:t>
+            </a:r>
+            <a:r>
+              <a:rPr lang="en-US" dirty="0" smtClean="0"/>
+              <a:t>)</a:t>
+            </a:r>
+          </a:p>
+          <a:p>
+            <a:pPr lvl="2"/>
+            <a:r>
+              <a:rPr lang="en-US" dirty="0" smtClean="0"/>
+              <a:t>Software Defined Networking (SDN)</a:t>
+            </a:r>
+            <a:endParaRPr lang="en-US" dirty="0" smtClean="0"/>
+          </a:p>
+          <a:p>
+            <a:endParaRPr lang="en-US" dirty="0"/>
+          </a:p>
+          <a:p>
+            <a:pPr marL="0" indent="0">
+              <a:buNone/>
+            </a:pPr>
+            <a:endParaRPr lang="en-US" dirty="0"/>
+          </a:p>
+          <a:p>
+            <a:endParaRPr lang="en-US" dirty="0" smtClean="0"/>
+          </a:p>
+        </p:txBody>
+      </p:sp>
+      <p:sp>
+        <p:nvSpPr>
+          <p:cNvPr id="4" name="TextBox 3"/>
+          <p:cNvSpPr txBox="1"/>
+          <p:nvPr/>
+        </p:nvSpPr>
+        <p:spPr>
+          <a:xfrm>
+            <a:off x="3561365" y="4268655"/>
+            <a:ext cx="184666" cy="369332"/>
+          </a:xfrm>
+          <a:prstGeom prst="rect">
+            <a:avLst/>
+          </a:prstGeom>
+          <a:noFill/>
+        </p:spPr>
+        <p:txBody>
+          <a:bodyPr wrap="none" rtlCol="0">
+            <a:spAutoFit/>
+          </a:bodyPr>
+          <a:lstStyle/>
+          <a:p>
+            <a:endParaRPr lang="en-US" dirty="0"/>
+          </a:p>
+        </p:txBody>
+      </p:sp>
+    </p:spTree>
+    <p:extLst>
+      <p:ext uri="{BB962C8B-B14F-4D97-AF65-F5344CB8AC3E}">
+        <p14:creationId xmlns:p14="http://schemas.microsoft.com/office/powerpoint/2010/main" val="2330205531"/>
+      </p:ext>
+    </p:extLst>
+  </p:cSld>
+  <p:clrMapOvr>
+    <a:masterClrMapping/>
+  </p:clrMapOvr>
+</p:sld>
+</file>
+
+<file path=ppt/slides/slide43.xml><?xml version="1.0" encoding="utf-8"?>
+<p:sld xmlns:a="http://schemas.openxmlformats.org/drawingml/2006/main" xmlns:r="http://schemas.openxmlformats.org/officeDocument/2006/relationships" xmlns:p="http://schemas.openxmlformats.org/presentationml/2006/main">
+  <p:cSld>
+    <p:spTree>
+      <p:nvGrpSpPr>
+        <p:cNvPr id="1" name=""/>
+        <p:cNvGrpSpPr/>
+        <p:nvPr/>
+      </p:nvGrpSpPr>
+      <p:grpSpPr>
+        <a:xfrm>
+          <a:off x="0" y="0"/>
+          <a:ext cx="0" cy="0"/>
+          <a:chOff x="0" y="0"/>
+          <a:chExt cx="0" cy="0"/>
+        </a:xfrm>
+      </p:grpSpPr>
+      <p:sp>
+        <p:nvSpPr>
+          <p:cNvPr id="2" name="Title 1"/>
+          <p:cNvSpPr>
+            <a:spLocks noGrp="1"/>
+          </p:cNvSpPr>
+          <p:nvPr>
+            <p:ph type="title"/>
+          </p:nvPr>
+        </p:nvSpPr>
+        <p:spPr/>
+        <p:txBody>
+          <a:bodyPr>
+            <a:normAutofit/>
+          </a:bodyPr>
+          <a:lstStyle/>
+          <a:p>
+            <a:r>
+              <a:rPr lang="en-US" dirty="0" err="1" smtClean="0"/>
+              <a:t>VirtualBox</a:t>
+            </a:r>
+            <a:endParaRPr lang="en-US" dirty="0"/>
+          </a:p>
+        </p:txBody>
+      </p:sp>
+      <p:sp>
+        <p:nvSpPr>
+          <p:cNvPr id="3" name="Content Placeholder 2"/>
+          <p:cNvSpPr>
+            <a:spLocks noGrp="1"/>
+          </p:cNvSpPr>
+          <p:nvPr>
+            <p:ph idx="1"/>
+          </p:nvPr>
+        </p:nvSpPr>
+        <p:spPr>
+          <a:xfrm>
+            <a:off x="457200" y="1600200"/>
+            <a:ext cx="8229600" cy="4920629"/>
+          </a:xfrm>
+        </p:spPr>
+        <p:txBody>
+          <a:bodyPr>
+            <a:normAutofit fontScale="92500"/>
+          </a:bodyPr>
+          <a:lstStyle/>
+          <a:p>
+            <a:r>
+              <a:rPr lang="en-US" dirty="0" smtClean="0"/>
               <a:t>Hypervisor for x86 systems originally developed by </a:t>
             </a:r>
             <a:r>
@@ -8227,35 +8617,45 @@
             </a:r>
             <a:r>
               <a:rPr lang="en-US" dirty="0" smtClean="0"/>
-              <a:t>, acquired by Sun, acquired by Oracle</a:t>
-            </a:r>
-          </a:p>
-          <a:p>
-            <a:r>
-              <a:rPr lang="en-US" dirty="0" smtClean="0"/>
-              <a:t>Core package is open source, extensions are licensed by Oracle for personal/educational use</a:t>
-            </a:r>
-          </a:p>
-          <a:p>
-            <a:r>
-              <a:rPr lang="en-US" dirty="0" smtClean="0"/>
-              <a:t>Not quite as fast as non-free offerings like </a:t>
-            </a:r>
-            <a:r>
-              <a:rPr lang="en-US" dirty="0" err="1" smtClean="0"/>
-              <a:t>VMWare</a:t>
-            </a:r>
-            <a:r>
-              <a:rPr lang="en-US" dirty="0" smtClean="0"/>
-              <a:t> Fusion, but good enough for </a:t>
-            </a:r>
-            <a:r>
-              <a:rPr lang="en-US" dirty="0" err="1" smtClean="0"/>
-              <a:t>dev</a:t>
-            </a:r>
-            <a:r>
-              <a:rPr lang="en-US" dirty="0" smtClean="0"/>
-              <a:t>/testing</a:t>
+              <a:t>, acquired by Sun, acquired by </a:t>
+            </a:r>
+            <a:r>
+              <a:rPr lang="en-US" dirty="0" smtClean="0"/>
+              <a:t>Oracle</a:t>
+            </a:r>
+          </a:p>
+          <a:p>
+            <a:endParaRPr lang="en-US" dirty="0" smtClean="0"/>
+          </a:p>
+          <a:p>
+            <a:r>
+              <a:rPr lang="en-US" dirty="0" smtClean="0"/>
+              <a:t>Core package is open source, extensions are licensed by Oracle for personal/educational </a:t>
+            </a:r>
+            <a:r>
+              <a:rPr lang="en-US" dirty="0" smtClean="0"/>
+              <a:t>use.</a:t>
+            </a:r>
+          </a:p>
+          <a:p>
+            <a:endParaRPr lang="en-US" dirty="0" smtClean="0"/>
+          </a:p>
+          <a:p>
+            <a:r>
+              <a:rPr lang="en-US" dirty="0" smtClean="0"/>
+              <a:t>Not quite as fast as </a:t>
+            </a:r>
+            <a:r>
+              <a:rPr lang="en-US" dirty="0" smtClean="0"/>
+              <a:t>commercial </a:t>
+            </a:r>
+            <a:r>
+              <a:rPr lang="en-US" dirty="0" smtClean="0"/>
+              <a:t>offerings like VMWare Fusion, but good enough for </a:t>
+            </a:r>
+            <a:r>
+              <a:rPr lang="en-US" dirty="0" smtClean="0"/>
+              <a:t>dev/testing.</a:t>
             </a:r>
             <a:endParaRPr lang="en-US" dirty="0"/>
           </a:p>
@@ -8309,7 +8709,7 @@
 </p:sld>
 </file>
 
-<file path=ppt/slides/slide43.xml><?xml version="1.0" encoding="utf-8"?>
+<file path=ppt/slides/slide44.xml><?xml version="1.0" encoding="utf-8"?>
 <p:sld xmlns:a="http://schemas.openxmlformats.org/drawingml/2006/main" xmlns:r="http://schemas.openxmlformats.org/officeDocument/2006/relationships" xmlns:p="http://schemas.openxmlformats.org/presentationml/2006/main">
   <p:cSld>
     <p:spTree>
@@ -8408,7 +8808,7 @@
 </p:sld>
 </file>
 
-<file path=ppt/slides/slide44.xml><?xml version="1.0" encoding="utf-8"?>
+<file path=ppt/slides/slide45.xml><?xml version="1.0" encoding="utf-8"?>
 <p:sld xmlns:a="http://schemas.openxmlformats.org/drawingml/2006/main" xmlns:r="http://schemas.openxmlformats.org/officeDocument/2006/relationships" xmlns:p="http://schemas.openxmlformats.org/presentationml/2006/main">
   <p:cSld>
     <p:spTree>
@@ -8461,36 +8861,44 @@
         <p:spPr/>
         <p:txBody>
           <a:bodyPr>
-            <a:normAutofit lnSpcReduction="10000"/>
+            <a:normAutofit fontScale="85000" lnSpcReduction="20000"/>
           </a:bodyPr>
           <a:lstStyle/>
           <a:p>
             <a:r>
               <a:rPr lang="en-US" dirty="0" smtClean="0"/>
-              <a:t>Creating </a:t>
-            </a:r>
-            <a:r>
-              <a:rPr lang="en-US" smtClean="0"/>
-              <a:t>virtual machines is </a:t>
-            </a:r>
-            <a:r>
-              <a:rPr lang="en-US" dirty="0" smtClean="0"/>
-              <a:t>time-consuming, repetitive, and mistake prone</a:t>
-            </a:r>
-          </a:p>
-          <a:p>
-            <a:pPr lvl="1"/>
-            <a:r>
-              <a:rPr lang="en-US" dirty="0" smtClean="0"/>
-              <a:t>Imagine writing code and needing to stand up a test environment several times a day</a:t>
-            </a:r>
-          </a:p>
-          <a:p>
-            <a:pPr lvl="1"/>
-            <a:r>
-              <a:rPr lang="en-US" dirty="0" smtClean="0"/>
-              <a:t>Need to share a virtual machine with other team members, clients, or the market (do they need to download a large virtual machine image?)</a:t>
-            </a:r>
+              <a:t>Creating virtual machines is time-consuming, repetitive, and mistake prone</a:t>
+            </a:r>
+          </a:p>
+          <a:p>
+            <a:pPr lvl="1"/>
+            <a:r>
+              <a:rPr lang="en-US" dirty="0" smtClean="0"/>
+              <a:t>Imagine writing code and needing to stand up a test environment several times a </a:t>
+            </a:r>
+            <a:r>
+              <a:rPr lang="en-US" dirty="0" smtClean="0"/>
+              <a:t>day</a:t>
+            </a:r>
+          </a:p>
+          <a:p>
+            <a:pPr lvl="1"/>
+            <a:endParaRPr lang="en-US" dirty="0" smtClean="0"/>
+          </a:p>
+          <a:p>
+            <a:pPr lvl="1"/>
+            <a:r>
+              <a:rPr lang="en-US" dirty="0" smtClean="0"/>
+              <a:t>Need to share a virtual machine with other team members, clients, or the market (do they need to download a large virtual machine image</a:t>
+            </a:r>
+            <a:r>
+              <a:rPr lang="en-US" dirty="0" smtClean="0"/>
+              <a:t>?)</a:t>
+            </a:r>
+          </a:p>
+          <a:p>
+            <a:pPr lvl="1"/>
+            <a:endParaRPr lang="en-US" dirty="0" smtClean="0"/>
           </a:p>
           <a:p>
             <a:r>
@@ -8528,7 +8936,7 @@
 </p:sld>
 </file>
 
-<file path=ppt/slides/slide45.xml><?xml version="1.0" encoding="utf-8"?>
+<file path=ppt/slides/slide46.xml><?xml version="1.0" encoding="utf-8"?>
 <p:sld xmlns:a="http://schemas.openxmlformats.org/drawingml/2006/main" xmlns:r="http://schemas.openxmlformats.org/officeDocument/2006/relationships" xmlns:p="http://schemas.openxmlformats.org/presentationml/2006/main">
   <p:cSld>
     <p:spTree>
@@ -8605,7 +9013,7 @@
 </p:sld>
 </file>
 
-<file path=ppt/slides/slide46.xml><?xml version="1.0" encoding="utf-8"?>
+<file path=ppt/slides/slide47.xml><?xml version="1.0" encoding="utf-8"?>
 <p:sld xmlns:a="http://schemas.openxmlformats.org/drawingml/2006/main" xmlns:r="http://schemas.openxmlformats.org/officeDocument/2006/relationships" xmlns:p="http://schemas.openxmlformats.org/presentationml/2006/main">
   <p:cSld>
     <p:spTree>
@@ -8704,7 +9112,7 @@
 </p:sld>
 </file>
 
-<file path=ppt/slides/slide47.xml><?xml version="1.0" encoding="utf-8"?>
+<file path=ppt/slides/slide48.xml><?xml version="1.0" encoding="utf-8"?>
 <p:sld xmlns:a="http://schemas.openxmlformats.org/drawingml/2006/main" xmlns:r="http://schemas.openxmlformats.org/officeDocument/2006/relationships" xmlns:p="http://schemas.openxmlformats.org/presentationml/2006/main">
   <p:cSld>
     <p:spTree>
@@ -8776,13 +9184,8 @@
           <a:p>
             <a:r>
               <a:rPr lang="en-US" dirty="0" smtClean="0"/>
-              <a:t>Read Practice of Cloud Systems Administration </a:t>
-            </a:r>
-            <a:r>
-              <a:rPr lang="en-US" dirty="0" smtClean="0"/>
-              <a:t>Chapter 3</a:t>
-            </a:r>
-            <a:endParaRPr lang="en-US" dirty="0" smtClean="0"/>
+              <a:t>Read Practice of Cloud Systems Administration Chapter 3</a:t>
+            </a:r>
           </a:p>
           <a:p>
             <a:r>
@@ -8979,7 +9382,7 @@
         </p:nvGraphicFramePr>
         <p:xfrm>
           <a:off x="1348605" y="2787308"/>
-          <a:ext cx="6096000" cy="3114039"/>
+          <a:ext cx="6096000" cy="3114040"/>
         </p:xfrm>
         <a:graphic>
           <a:graphicData uri="http://schemas.openxmlformats.org/drawingml/2006/table">
